--- a/product/冠德石油+/月度抽奖/抽奖中心原型-nxb-20180207.pptx
+++ b/product/冠德石油+/月度抽奖/抽奖中心原型-nxb-20180207.pptx
@@ -3516,8 +3516,8 @@
           </p:nvSpPr>
           <p:spPr>
             <a:xfrm>
-              <a:off x="1477541" y="3010481"/>
-              <a:ext cx="2149198" cy="261610"/>
+              <a:off x="1417530" y="3012925"/>
+              <a:ext cx="2374811" cy="267498"/>
             </a:xfrm>
             <a:prstGeom prst="rect">
               <a:avLst/>
@@ -3541,7 +3541,7 @@
                   <a:latin typeface="微软雅黑" panose="020B0503020204020204" pitchFamily="34" charset="-122"/>
                   <a:ea typeface="微软雅黑" panose="020B0503020204020204" pitchFamily="34" charset="-122"/>
                 </a:rPr>
-                <a:t>不要灰心 ，继续加油哦</a:t>
+                <a:t>不要灰心 ，还有机会 继续加油哦</a:t>
               </a:r>
             </a:p>
           </p:txBody>
